--- a/ppt/3차발표.pptx
+++ b/ppt/3차발표.pptx
@@ -4166,7 +4166,7 @@
           <p:nvPr>
             <p:extLst>
               <p:ext uri="{D42A27DB-BD31-4B8C-83A1-F6EECF244321}">
-                <p14:modId xmlns:p14="http://schemas.microsoft.com/office/powerpoint/2010/main" val="669172980"/>
+                <p14:modId xmlns:p14="http://schemas.microsoft.com/office/powerpoint/2010/main" val="1142170517"/>
               </p:ext>
             </p:extLst>
           </p:nvPr>
@@ -5169,7 +5169,7 @@
                             <a:srgbClr val="FFFF00"/>
                           </a:solidFill>
                         </a:rPr>
-                        <a:t>문으로 전 스테이지로 돌아갈 수 있음</a:t>
+                        <a:t>문으로  스테이지로 이동할 수 있음</a:t>
                       </a:r>
                       <a:r>
                         <a:rPr lang="en-US" altLang="ko-KR" sz="1200" dirty="0">
@@ -5250,7 +5250,7 @@
                             <a:srgbClr val="FFFF00"/>
                           </a:solidFill>
                         </a:rPr>
-                        <a:t>40%</a:t>
+                        <a:t>30%</a:t>
                       </a:r>
                       <a:endParaRPr lang="ko-KR" altLang="en-US" sz="1200" dirty="0">
                         <a:solidFill>
@@ -5589,20 +5589,12 @@
                         </a:lnSpc>
                       </a:pPr>
                       <a:r>
-                        <a:rPr lang="en-US" altLang="ko-KR" sz="1200" dirty="0">
-                          <a:solidFill>
-                            <a:srgbClr val="FFFF00"/>
-                          </a:solidFill>
-                        </a:rPr>
-                        <a:t>8</a:t>
-                      </a:r>
-                      <a:r>
-                        <a:rPr lang="ko-KR" altLang="en-US" sz="1200" dirty="0" err="1">
-                          <a:solidFill>
-                            <a:srgbClr val="FFFF00"/>
-                          </a:solidFill>
-                        </a:rPr>
-                        <a:t>종완료</a:t>
+                        <a:rPr lang="ko-KR" altLang="en-US" sz="1200">
+                          <a:solidFill>
+                            <a:srgbClr val="FFFF00"/>
+                          </a:solidFill>
+                        </a:rPr>
+                        <a:t>부분완료</a:t>
                       </a:r>
                       <a:endParaRPr lang="ko-KR" altLang="en-US" sz="1200" dirty="0">
                         <a:solidFill>
